--- a/UC Berkeley Extension final preso.pptx
+++ b/UC Berkeley Extension final preso.pptx
@@ -361,7 +361,7 @@
           <a:p>
             <a:fld id="{EFA2AAFC-83DE-4F93-BED8-64B210D23A3B}" type="datetimeFigureOut">
               <a:rPr lang="en-US" smtClean="0"/>
-              <a:t>3/28/2025</a:t>
+              <a:t>3/30/2025</a:t>
             </a:fld>
             <a:endParaRPr lang="en-US"/>
           </a:p>
@@ -774,6 +774,114 @@
         <p:cNvPr id="1" name="">
           <a:extLst>
             <a:ext uri="{FF2B5EF4-FFF2-40B4-BE49-F238E27FC236}">
+              <a16:creationId xmlns:a16="http://schemas.microsoft.com/office/drawing/2014/main" id="{A11F7C07-9D06-8815-98CB-F39666E8E260}"/>
+            </a:ext>
+          </a:extLst>
+        </p:cNvPr>
+        <p:cNvGrpSpPr/>
+        <p:nvPr/>
+      </p:nvGrpSpPr>
+      <p:grpSpPr>
+        <a:xfrm>
+          <a:off x="0" y="0"/>
+          <a:ext cx="0" cy="0"/>
+          <a:chOff x="0" y="0"/>
+          <a:chExt cx="0" cy="0"/>
+        </a:xfrm>
+      </p:grpSpPr>
+      <p:sp>
+        <p:nvSpPr>
+          <p:cNvPr id="2" name="Slide Image Placeholder 1">
+            <a:extLst>
+              <a:ext uri="{FF2B5EF4-FFF2-40B4-BE49-F238E27FC236}">
+                <a16:creationId xmlns:a16="http://schemas.microsoft.com/office/drawing/2014/main" id="{D22E1FA9-3670-E761-A30D-9F75F11378A4}"/>
+              </a:ext>
+            </a:extLst>
+          </p:cNvPr>
+          <p:cNvSpPr>
+            <a:spLocks noGrp="1" noRot="1" noChangeAspect="1"/>
+          </p:cNvSpPr>
+          <p:nvPr>
+            <p:ph type="sldImg"/>
+          </p:nvPr>
+        </p:nvSpPr>
+        <p:spPr/>
+      </p:sp>
+      <p:sp>
+        <p:nvSpPr>
+          <p:cNvPr id="3" name="Notes Placeholder 2">
+            <a:extLst>
+              <a:ext uri="{FF2B5EF4-FFF2-40B4-BE49-F238E27FC236}">
+                <a16:creationId xmlns:a16="http://schemas.microsoft.com/office/drawing/2014/main" id="{E5642970-1CC2-6AA8-01AB-D3CEFDCD7939}"/>
+              </a:ext>
+            </a:extLst>
+          </p:cNvPr>
+          <p:cNvSpPr>
+            <a:spLocks noGrp="1"/>
+          </p:cNvSpPr>
+          <p:nvPr>
+            <p:ph type="body" idx="1"/>
+          </p:nvPr>
+        </p:nvSpPr>
+        <p:spPr/>
+        <p:txBody>
+          <a:bodyPr/>
+          <a:lstStyle/>
+          <a:p>
+            <a:endParaRPr lang="en-US" dirty="0"/>
+          </a:p>
+        </p:txBody>
+      </p:sp>
+      <p:sp>
+        <p:nvSpPr>
+          <p:cNvPr id="4" name="Slide Number Placeholder 3">
+            <a:extLst>
+              <a:ext uri="{FF2B5EF4-FFF2-40B4-BE49-F238E27FC236}">
+                <a16:creationId xmlns:a16="http://schemas.microsoft.com/office/drawing/2014/main" id="{992978BD-389C-0CA4-9322-3BDB26159CDC}"/>
+              </a:ext>
+            </a:extLst>
+          </p:cNvPr>
+          <p:cNvSpPr>
+            <a:spLocks noGrp="1"/>
+          </p:cNvSpPr>
+          <p:nvPr>
+            <p:ph type="sldNum" sz="quarter" idx="5"/>
+          </p:nvPr>
+        </p:nvSpPr>
+        <p:spPr/>
+        <p:txBody>
+          <a:bodyPr/>
+          <a:lstStyle/>
+          <a:p>
+            <a:fld id="{428CC466-AAD8-4071-882B-4ED3551B8D1C}" type="slidenum">
+              <a:rPr lang="en-US" smtClean="0"/>
+              <a:t>11</a:t>
+            </a:fld>
+            <a:endParaRPr lang="en-US"/>
+          </a:p>
+        </p:txBody>
+      </p:sp>
+    </p:spTree>
+    <p:extLst>
+      <p:ext uri="{BB962C8B-B14F-4D97-AF65-F5344CB8AC3E}">
+        <p14:creationId xmlns:p14="http://schemas.microsoft.com/office/powerpoint/2010/main" val="2792315261"/>
+      </p:ext>
+    </p:extLst>
+  </p:cSld>
+  <p:clrMapOvr>
+    <a:masterClrMapping/>
+  </p:clrMapOvr>
+</p:notes>
+</file>
+
+<file path=ppt/notesSlides/notesSlide11.xml><?xml version="1.0" encoding="utf-8"?>
+<p:notes xmlns:a="http://schemas.openxmlformats.org/drawingml/2006/main" xmlns:r="http://schemas.openxmlformats.org/officeDocument/2006/relationships" xmlns:p="http://schemas.openxmlformats.org/presentationml/2006/main">
+  <p:cSld>
+    <p:spTree>
+      <p:nvGrpSpPr>
+        <p:cNvPr id="1" name="">
+          <a:extLst>
+            <a:ext uri="{FF2B5EF4-FFF2-40B4-BE49-F238E27FC236}">
               <a16:creationId xmlns:a16="http://schemas.microsoft.com/office/drawing/2014/main" id="{921E5B47-E79F-B20C-1644-B84C50735800}"/>
             </a:ext>
           </a:extLst>
@@ -874,7 +982,7 @@
 </p:notes>
 </file>
 
-<file path=ppt/notesSlides/notesSlide11.xml><?xml version="1.0" encoding="utf-8"?>
+<file path=ppt/notesSlides/notesSlide12.xml><?xml version="1.0" encoding="utf-8"?>
 <p:notes xmlns:a="http://schemas.openxmlformats.org/drawingml/2006/main" xmlns:r="http://schemas.openxmlformats.org/officeDocument/2006/relationships" xmlns:p="http://schemas.openxmlformats.org/presentationml/2006/main">
   <p:cSld>
     <p:spTree>
@@ -982,7 +1090,7 @@
 </p:notes>
 </file>
 
-<file path=ppt/notesSlides/notesSlide12.xml><?xml version="1.0" encoding="utf-8"?>
+<file path=ppt/notesSlides/notesSlide13.xml><?xml version="1.0" encoding="utf-8"?>
 <p:notes xmlns:a="http://schemas.openxmlformats.org/drawingml/2006/main" xmlns:r="http://schemas.openxmlformats.org/officeDocument/2006/relationships" xmlns:p="http://schemas.openxmlformats.org/presentationml/2006/main">
   <p:cSld>
     <p:spTree>
@@ -1182,7 +1290,7 @@
 </p:notes>
 </file>
 
-<file path=ppt/notesSlides/notesSlide13.xml><?xml version="1.0" encoding="utf-8"?>
+<file path=ppt/notesSlides/notesSlide14.xml><?xml version="1.0" encoding="utf-8"?>
 <p:notes xmlns:a="http://schemas.openxmlformats.org/drawingml/2006/main" xmlns:r="http://schemas.openxmlformats.org/officeDocument/2006/relationships" xmlns:p="http://schemas.openxmlformats.org/presentationml/2006/main">
   <p:cSld>
     <p:spTree>
@@ -1296,7 +1404,7 @@
 </p:notes>
 </file>
 
-<file path=ppt/notesSlides/notesSlide14.xml><?xml version="1.0" encoding="utf-8"?>
+<file path=ppt/notesSlides/notesSlide15.xml><?xml version="1.0" encoding="utf-8"?>
 <p:notes xmlns:a="http://schemas.openxmlformats.org/drawingml/2006/main" xmlns:r="http://schemas.openxmlformats.org/officeDocument/2006/relationships" xmlns:p="http://schemas.openxmlformats.org/presentationml/2006/main">
   <p:cSld>
     <p:spTree>
@@ -1389,7 +1497,7 @@
 </p:notes>
 </file>
 
-<file path=ppt/notesSlides/notesSlide15.xml><?xml version="1.0" encoding="utf-8"?>
+<file path=ppt/notesSlides/notesSlide16.xml><?xml version="1.0" encoding="utf-8"?>
 <p:notes xmlns:a="http://schemas.openxmlformats.org/drawingml/2006/main" xmlns:r="http://schemas.openxmlformats.org/officeDocument/2006/relationships" xmlns:p="http://schemas.openxmlformats.org/presentationml/2006/main">
   <p:cSld>
     <p:spTree>
@@ -1518,6 +1626,120 @@
           <a:lstStyle/>
           <a:p>
             <a:r>
+              <a:rPr lang="en-US" b="0" i="0" dirty="0">
+                <a:solidFill>
+                  <a:srgbClr val="303030"/>
+                </a:solidFill>
+                <a:effectLst/>
+                <a:latin typeface="ui-sans-serif"/>
+              </a:rPr>
+              <a:t>Beata Strack, Jonathan P. DeShazo, Chris Gennings, Juan L. Olmo, Sebastian Ventura, Krzysztof J. </a:t>
+            </a:r>
+            <a:r>
+              <a:rPr lang="en-US" b="0" i="0" dirty="0" err="1">
+                <a:solidFill>
+                  <a:srgbClr val="303030"/>
+                </a:solidFill>
+                <a:effectLst/>
+                <a:latin typeface="ui-sans-serif"/>
+              </a:rPr>
+              <a:t>Cios</a:t>
+            </a:r>
+            <a:r>
+              <a:rPr lang="en-US" b="0" i="0" dirty="0">
+                <a:solidFill>
+                  <a:srgbClr val="303030"/>
+                </a:solidFill>
+                <a:effectLst/>
+                <a:latin typeface="ui-sans-serif"/>
+              </a:rPr>
+              <a:t>, and John N. Clore, “Impact of HbA1c Measurement on Hospital Readmission Rates: Analysis of 70,000 Clinical Database Patient Records,” BioMed Research International, vol. 2014, Article ID 781670, 11 pages, 2014.</a:t>
+            </a:r>
+            <a:endParaRPr lang="en-US" dirty="0"/>
+          </a:p>
+        </p:txBody>
+      </p:sp>
+      <p:sp>
+        <p:nvSpPr>
+          <p:cNvPr id="4" name="Slide Number Placeholder 3"/>
+          <p:cNvSpPr>
+            <a:spLocks noGrp="1"/>
+          </p:cNvSpPr>
+          <p:nvPr>
+            <p:ph type="sldNum" sz="quarter" idx="5"/>
+          </p:nvPr>
+        </p:nvSpPr>
+        <p:spPr/>
+        <p:txBody>
+          <a:bodyPr/>
+          <a:lstStyle/>
+          <a:p>
+            <a:fld id="{428CC466-AAD8-4071-882B-4ED3551B8D1C}" type="slidenum">
+              <a:rPr lang="en-US" smtClean="0"/>
+              <a:t>2</a:t>
+            </a:fld>
+            <a:endParaRPr lang="en-US"/>
+          </a:p>
+        </p:txBody>
+      </p:sp>
+    </p:spTree>
+    <p:extLst>
+      <p:ext uri="{BB962C8B-B14F-4D97-AF65-F5344CB8AC3E}">
+        <p14:creationId xmlns:p14="http://schemas.microsoft.com/office/powerpoint/2010/main" val="1815635948"/>
+      </p:ext>
+    </p:extLst>
+  </p:cSld>
+  <p:clrMapOvr>
+    <a:masterClrMapping/>
+  </p:clrMapOvr>
+</p:notes>
+</file>
+
+<file path=ppt/notesSlides/notesSlide3.xml><?xml version="1.0" encoding="utf-8"?>
+<p:notes xmlns:a="http://schemas.openxmlformats.org/drawingml/2006/main" xmlns:r="http://schemas.openxmlformats.org/officeDocument/2006/relationships" xmlns:p="http://schemas.openxmlformats.org/presentationml/2006/main">
+  <p:cSld>
+    <p:spTree>
+      <p:nvGrpSpPr>
+        <p:cNvPr id="1" name=""/>
+        <p:cNvGrpSpPr/>
+        <p:nvPr/>
+      </p:nvGrpSpPr>
+      <p:grpSpPr>
+        <a:xfrm>
+          <a:off x="0" y="0"/>
+          <a:ext cx="0" cy="0"/>
+          <a:chOff x="0" y="0"/>
+          <a:chExt cx="0" cy="0"/>
+        </a:xfrm>
+      </p:grpSpPr>
+      <p:sp>
+        <p:nvSpPr>
+          <p:cNvPr id="2" name="Slide Image Placeholder 1"/>
+          <p:cNvSpPr>
+            <a:spLocks noGrp="1" noRot="1" noChangeAspect="1"/>
+          </p:cNvSpPr>
+          <p:nvPr>
+            <p:ph type="sldImg"/>
+          </p:nvPr>
+        </p:nvSpPr>
+        <p:spPr/>
+      </p:sp>
+      <p:sp>
+        <p:nvSpPr>
+          <p:cNvPr id="3" name="Notes Placeholder 2"/>
+          <p:cNvSpPr>
+            <a:spLocks noGrp="1"/>
+          </p:cNvSpPr>
+          <p:nvPr>
+            <p:ph type="body" idx="1"/>
+          </p:nvPr>
+        </p:nvSpPr>
+        <p:spPr/>
+        <p:txBody>
+          <a:bodyPr/>
+          <a:lstStyle/>
+          <a:p>
+            <a:r>
               <a:rPr lang="en-US" dirty="0"/>
               <a:t>71,518-54,745 = 16,673 members with more than 1 record</a:t>
             </a:r>
@@ -1560,7 +1782,7 @@
 </p:notes>
 </file>
 
-<file path=ppt/notesSlides/notesSlide3.xml><?xml version="1.0" encoding="utf-8"?>
+<file path=ppt/notesSlides/notesSlide4.xml><?xml version="1.0" encoding="utf-8"?>
 <p:notes xmlns:a="http://schemas.openxmlformats.org/drawingml/2006/main" xmlns:r="http://schemas.openxmlformats.org/officeDocument/2006/relationships" xmlns:p="http://schemas.openxmlformats.org/presentationml/2006/main">
   <p:cSld>
     <p:spTree>
@@ -1668,7 +1890,7 @@
 </p:notes>
 </file>
 
-<file path=ppt/notesSlides/notesSlide4.xml><?xml version="1.0" encoding="utf-8"?>
+<file path=ppt/notesSlides/notesSlide5.xml><?xml version="1.0" encoding="utf-8"?>
 <p:notes xmlns:a="http://schemas.openxmlformats.org/drawingml/2006/main" xmlns:r="http://schemas.openxmlformats.org/officeDocument/2006/relationships" xmlns:p="http://schemas.openxmlformats.org/presentationml/2006/main">
   <p:cSld>
     <p:spTree>
@@ -1785,7 +2007,7 @@
 </p:notes>
 </file>
 
-<file path=ppt/notesSlides/notesSlide5.xml><?xml version="1.0" encoding="utf-8"?>
+<file path=ppt/notesSlides/notesSlide6.xml><?xml version="1.0" encoding="utf-8"?>
 <p:notes xmlns:a="http://schemas.openxmlformats.org/drawingml/2006/main" xmlns:r="http://schemas.openxmlformats.org/officeDocument/2006/relationships" xmlns:p="http://schemas.openxmlformats.org/presentationml/2006/main">
   <p:cSld>
     <p:spTree>
@@ -1872,7 +2094,7 @@
 </p:notes>
 </file>
 
-<file path=ppt/notesSlides/notesSlide6.xml><?xml version="1.0" encoding="utf-8"?>
+<file path=ppt/notesSlides/notesSlide7.xml><?xml version="1.0" encoding="utf-8"?>
 <p:notes xmlns:a="http://schemas.openxmlformats.org/drawingml/2006/main" xmlns:r="http://schemas.openxmlformats.org/officeDocument/2006/relationships" xmlns:p="http://schemas.openxmlformats.org/presentationml/2006/main">
   <p:cSld>
     <p:spTree>
@@ -1983,7 +2205,7 @@
 </p:notes>
 </file>
 
-<file path=ppt/notesSlides/notesSlide7.xml><?xml version="1.0" encoding="utf-8"?>
+<file path=ppt/notesSlides/notesSlide8.xml><?xml version="1.0" encoding="utf-8"?>
 <p:notes xmlns:a="http://schemas.openxmlformats.org/drawingml/2006/main" xmlns:r="http://schemas.openxmlformats.org/officeDocument/2006/relationships" xmlns:p="http://schemas.openxmlformats.org/presentationml/2006/main">
   <p:cSld>
     <p:spTree>
@@ -2109,7 +2331,7 @@
 </p:notes>
 </file>
 
-<file path=ppt/notesSlides/notesSlide8.xml><?xml version="1.0" encoding="utf-8"?>
+<file path=ppt/notesSlides/notesSlide9.xml><?xml version="1.0" encoding="utf-8"?>
 <p:notes xmlns:a="http://schemas.openxmlformats.org/drawingml/2006/main" xmlns:r="http://schemas.openxmlformats.org/officeDocument/2006/relationships" xmlns:p="http://schemas.openxmlformats.org/presentationml/2006/main">
   <p:cSld>
     <p:spTree>
@@ -2227,114 +2449,6 @@
     <p:extLst>
       <p:ext uri="{BB962C8B-B14F-4D97-AF65-F5344CB8AC3E}">
         <p14:creationId xmlns:p14="http://schemas.microsoft.com/office/powerpoint/2010/main" val="4165770092"/>
-      </p:ext>
-    </p:extLst>
-  </p:cSld>
-  <p:clrMapOvr>
-    <a:masterClrMapping/>
-  </p:clrMapOvr>
-</p:notes>
-</file>
-
-<file path=ppt/notesSlides/notesSlide9.xml><?xml version="1.0" encoding="utf-8"?>
-<p:notes xmlns:a="http://schemas.openxmlformats.org/drawingml/2006/main" xmlns:r="http://schemas.openxmlformats.org/officeDocument/2006/relationships" xmlns:p="http://schemas.openxmlformats.org/presentationml/2006/main">
-  <p:cSld>
-    <p:spTree>
-      <p:nvGrpSpPr>
-        <p:cNvPr id="1" name="">
-          <a:extLst>
-            <a:ext uri="{FF2B5EF4-FFF2-40B4-BE49-F238E27FC236}">
-              <a16:creationId xmlns:a16="http://schemas.microsoft.com/office/drawing/2014/main" id="{A11F7C07-9D06-8815-98CB-F39666E8E260}"/>
-            </a:ext>
-          </a:extLst>
-        </p:cNvPr>
-        <p:cNvGrpSpPr/>
-        <p:nvPr/>
-      </p:nvGrpSpPr>
-      <p:grpSpPr>
-        <a:xfrm>
-          <a:off x="0" y="0"/>
-          <a:ext cx="0" cy="0"/>
-          <a:chOff x="0" y="0"/>
-          <a:chExt cx="0" cy="0"/>
-        </a:xfrm>
-      </p:grpSpPr>
-      <p:sp>
-        <p:nvSpPr>
-          <p:cNvPr id="2" name="Slide Image Placeholder 1">
-            <a:extLst>
-              <a:ext uri="{FF2B5EF4-FFF2-40B4-BE49-F238E27FC236}">
-                <a16:creationId xmlns:a16="http://schemas.microsoft.com/office/drawing/2014/main" id="{D22E1FA9-3670-E761-A30D-9F75F11378A4}"/>
-              </a:ext>
-            </a:extLst>
-          </p:cNvPr>
-          <p:cNvSpPr>
-            <a:spLocks noGrp="1" noRot="1" noChangeAspect="1"/>
-          </p:cNvSpPr>
-          <p:nvPr>
-            <p:ph type="sldImg"/>
-          </p:nvPr>
-        </p:nvSpPr>
-        <p:spPr/>
-      </p:sp>
-      <p:sp>
-        <p:nvSpPr>
-          <p:cNvPr id="3" name="Notes Placeholder 2">
-            <a:extLst>
-              <a:ext uri="{FF2B5EF4-FFF2-40B4-BE49-F238E27FC236}">
-                <a16:creationId xmlns:a16="http://schemas.microsoft.com/office/drawing/2014/main" id="{E5642970-1CC2-6AA8-01AB-D3CEFDCD7939}"/>
-              </a:ext>
-            </a:extLst>
-          </p:cNvPr>
-          <p:cNvSpPr>
-            <a:spLocks noGrp="1"/>
-          </p:cNvSpPr>
-          <p:nvPr>
-            <p:ph type="body" idx="1"/>
-          </p:nvPr>
-        </p:nvSpPr>
-        <p:spPr/>
-        <p:txBody>
-          <a:bodyPr/>
-          <a:lstStyle/>
-          <a:p>
-            <a:endParaRPr lang="en-US" dirty="0"/>
-          </a:p>
-        </p:txBody>
-      </p:sp>
-      <p:sp>
-        <p:nvSpPr>
-          <p:cNvPr id="4" name="Slide Number Placeholder 3">
-            <a:extLst>
-              <a:ext uri="{FF2B5EF4-FFF2-40B4-BE49-F238E27FC236}">
-                <a16:creationId xmlns:a16="http://schemas.microsoft.com/office/drawing/2014/main" id="{992978BD-389C-0CA4-9322-3BDB26159CDC}"/>
-              </a:ext>
-            </a:extLst>
-          </p:cNvPr>
-          <p:cNvSpPr>
-            <a:spLocks noGrp="1"/>
-          </p:cNvSpPr>
-          <p:nvPr>
-            <p:ph type="sldNum" sz="quarter" idx="5"/>
-          </p:nvPr>
-        </p:nvSpPr>
-        <p:spPr/>
-        <p:txBody>
-          <a:bodyPr/>
-          <a:lstStyle/>
-          <a:p>
-            <a:fld id="{428CC466-AAD8-4071-882B-4ED3551B8D1C}" type="slidenum">
-              <a:rPr lang="en-US" smtClean="0"/>
-              <a:t>11</a:t>
-            </a:fld>
-            <a:endParaRPr lang="en-US"/>
-          </a:p>
-        </p:txBody>
-      </p:sp>
-    </p:spTree>
-    <p:extLst>
-      <p:ext uri="{BB962C8B-B14F-4D97-AF65-F5344CB8AC3E}">
-        <p14:creationId xmlns:p14="http://schemas.microsoft.com/office/powerpoint/2010/main" val="2792315261"/>
       </p:ext>
     </p:extLst>
   </p:cSld>
@@ -2491,7 +2605,7 @@
           <a:p>
             <a:fld id="{DE1F23F4-9ADF-4AED-ABF4-4E9EE7625C16}" type="datetimeFigureOut">
               <a:rPr lang="en-US" smtClean="0"/>
-              <a:t>3/28/2025</a:t>
+              <a:t>3/30/2025</a:t>
             </a:fld>
             <a:endParaRPr lang="en-US"/>
           </a:p>
@@ -2689,7 +2803,7 @@
           <a:p>
             <a:fld id="{DE1F23F4-9ADF-4AED-ABF4-4E9EE7625C16}" type="datetimeFigureOut">
               <a:rPr lang="en-US" smtClean="0"/>
-              <a:t>3/28/2025</a:t>
+              <a:t>3/30/2025</a:t>
             </a:fld>
             <a:endParaRPr lang="en-US"/>
           </a:p>
@@ -2897,7 +3011,7 @@
           <a:p>
             <a:fld id="{DE1F23F4-9ADF-4AED-ABF4-4E9EE7625C16}" type="datetimeFigureOut">
               <a:rPr lang="en-US" smtClean="0"/>
-              <a:t>3/28/2025</a:t>
+              <a:t>3/30/2025</a:t>
             </a:fld>
             <a:endParaRPr lang="en-US"/>
           </a:p>
@@ -3095,7 +3209,7 @@
           <a:p>
             <a:fld id="{DE1F23F4-9ADF-4AED-ABF4-4E9EE7625C16}" type="datetimeFigureOut">
               <a:rPr lang="en-US" smtClean="0"/>
-              <a:t>3/28/2025</a:t>
+              <a:t>3/30/2025</a:t>
             </a:fld>
             <a:endParaRPr lang="en-US"/>
           </a:p>
@@ -3370,7 +3484,7 @@
           <a:p>
             <a:fld id="{DE1F23F4-9ADF-4AED-ABF4-4E9EE7625C16}" type="datetimeFigureOut">
               <a:rPr lang="en-US" smtClean="0"/>
-              <a:t>3/28/2025</a:t>
+              <a:t>3/30/2025</a:t>
             </a:fld>
             <a:endParaRPr lang="en-US"/>
           </a:p>
@@ -3635,7 +3749,7 @@
           <a:p>
             <a:fld id="{DE1F23F4-9ADF-4AED-ABF4-4E9EE7625C16}" type="datetimeFigureOut">
               <a:rPr lang="en-US" smtClean="0"/>
-              <a:t>3/28/2025</a:t>
+              <a:t>3/30/2025</a:t>
             </a:fld>
             <a:endParaRPr lang="en-US"/>
           </a:p>
@@ -4047,7 +4161,7 @@
           <a:p>
             <a:fld id="{DE1F23F4-9ADF-4AED-ABF4-4E9EE7625C16}" type="datetimeFigureOut">
               <a:rPr lang="en-US" smtClean="0"/>
-              <a:t>3/28/2025</a:t>
+              <a:t>3/30/2025</a:t>
             </a:fld>
             <a:endParaRPr lang="en-US"/>
           </a:p>
@@ -4188,7 +4302,7 @@
           <a:p>
             <a:fld id="{DE1F23F4-9ADF-4AED-ABF4-4E9EE7625C16}" type="datetimeFigureOut">
               <a:rPr lang="en-US" smtClean="0"/>
-              <a:t>3/28/2025</a:t>
+              <a:t>3/30/2025</a:t>
             </a:fld>
             <a:endParaRPr lang="en-US"/>
           </a:p>
@@ -4301,7 +4415,7 @@
           <a:p>
             <a:fld id="{DE1F23F4-9ADF-4AED-ABF4-4E9EE7625C16}" type="datetimeFigureOut">
               <a:rPr lang="en-US" smtClean="0"/>
-              <a:t>3/28/2025</a:t>
+              <a:t>3/30/2025</a:t>
             </a:fld>
             <a:endParaRPr lang="en-US"/>
           </a:p>
@@ -4612,7 +4726,7 @@
           <a:p>
             <a:fld id="{DE1F23F4-9ADF-4AED-ABF4-4E9EE7625C16}" type="datetimeFigureOut">
               <a:rPr lang="en-US" smtClean="0"/>
-              <a:t>3/28/2025</a:t>
+              <a:t>3/30/2025</a:t>
             </a:fld>
             <a:endParaRPr lang="en-US"/>
           </a:p>
@@ -4900,7 +5014,7 @@
           <a:p>
             <a:fld id="{DE1F23F4-9ADF-4AED-ABF4-4E9EE7625C16}" type="datetimeFigureOut">
               <a:rPr lang="en-US" smtClean="0"/>
-              <a:t>3/28/2025</a:t>
+              <a:t>3/30/2025</a:t>
             </a:fld>
             <a:endParaRPr lang="en-US"/>
           </a:p>
@@ -5141,7 +5255,7 @@
           <a:p>
             <a:fld id="{DE1F23F4-9ADF-4AED-ABF4-4E9EE7625C16}" type="datetimeFigureOut">
               <a:rPr lang="en-US" smtClean="0"/>
-              <a:t>3/28/2025</a:t>
+              <a:t>3/30/2025</a:t>
             </a:fld>
             <a:endParaRPr lang="en-US"/>
           </a:p>
@@ -6966,7 +7080,7 @@
           <p:nvPr/>
         </p:nvPicPr>
         <p:blipFill>
-          <a:blip r:embed="rId2"/>
+          <a:blip r:embed="rId3"/>
           <a:stretch>
             <a:fillRect/>
           </a:stretch>
@@ -7011,7 +7125,7 @@
           <a:p>
             <a:r>
               <a:rPr lang="en-US" dirty="0">
-                <a:hlinkClick r:id="rId3"/>
+                <a:hlinkClick r:id="rId4"/>
               </a:rPr>
               <a:t>https://archive.ics.uci.edu/dataset/296/diabetes+130-us+hospitals+for+years+1999-2008</a:t>
             </a:r>
